--- a/presentation/cycling data presentation1129.pptx
+++ b/presentation/cycling data presentation1129.pptx
@@ -3445,7 +3445,7 @@
                 <a:ea typeface="Gurmukhi MN" charset="0"/>
                 <a:cs typeface="Gurmukhi MN" charset="0"/>
               </a:rPr>
-              <a:t>19+29 counters</a:t>
+              <a:t>13 counters of 43 counters</a:t>
             </a:r>
             <a:endParaRPr lang="en-GB" altLang="zh-CN" dirty="0">
               <a:solidFill>
@@ -3569,6 +3569,17 @@
           </a:p>
           <a:p>
             <a:r>
+              <a:rPr lang="en-US" altLang="zh-CN" dirty="0" smtClean="0">
+                <a:solidFill>
+                  <a:srgbClr val="37D279"/>
+                </a:solidFill>
+                <a:latin typeface="Gurmukhi MN" charset="0"/>
+                <a:ea typeface="Gurmukhi MN" charset="0"/>
+                <a:cs typeface="Gurmukhi MN" charset="0"/>
+              </a:rPr>
+              <a:t>D</a:t>
+            </a:r>
+            <a:r>
               <a:rPr lang="en-GB" altLang="zh-CN" dirty="0" smtClean="0">
                 <a:solidFill>
                   <a:srgbClr val="37D279"/>
@@ -3577,7 +3588,7 @@
                 <a:ea typeface="Gurmukhi MN" charset="0"/>
                 <a:cs typeface="Gurmukhi MN" charset="0"/>
               </a:rPr>
-              <a:t>date</a:t>
+              <a:t>ate (2015.03.22-2016.06.18)</a:t>
             </a:r>
             <a:endParaRPr lang="zh-CN" altLang="zh-CN" dirty="0">
               <a:solidFill>
@@ -4582,7 +4593,7 @@
         </p:blipFill>
         <p:spPr>
           <a:xfrm>
-            <a:off x="0" y="-3175"/>
+            <a:off x="0" y="17145"/>
             <a:ext cx="12192000" cy="6858000"/>
           </a:xfrm>
           <a:prstGeom prst="rect">
@@ -4824,7 +4835,18 @@
                 <a:ea typeface="Gurmukhi MN" charset="0"/>
                 <a:cs typeface="Gurmukhi MN" charset="0"/>
               </a:rPr>
-              <a:t>Cycling campaign organizer </a:t>
+              <a:t>Cycling campaign </a:t>
+            </a:r>
+            <a:r>
+              <a:rPr kumimoji="1" lang="en-GB" altLang="zh-CN" dirty="0" smtClean="0">
+                <a:solidFill>
+                  <a:srgbClr val="37D279"/>
+                </a:solidFill>
+                <a:latin typeface="Gurmukhi MN" charset="0"/>
+                <a:ea typeface="Gurmukhi MN" charset="0"/>
+                <a:cs typeface="Gurmukhi MN" charset="0"/>
+              </a:rPr>
+              <a:t>organizer </a:t>
             </a:r>
             <a:endParaRPr kumimoji="1" lang="zh-CN" altLang="en-US" dirty="0">
               <a:solidFill>
@@ -4834,6 +4856,48 @@
               <a:ea typeface="Gurmukhi MN" charset="0"/>
               <a:cs typeface="Gurmukhi MN" charset="0"/>
             </a:endParaRPr>
+          </a:p>
+        </p:txBody>
+      </p:sp>
+      <p:sp>
+        <p:nvSpPr>
+          <p:cNvPr id="5" name="三角形 4">
+            <a:hlinkClick r:id="rId4"/>
+          </p:cNvPr>
+          <p:cNvSpPr/>
+          <p:nvPr/>
+        </p:nvSpPr>
+        <p:spPr>
+          <a:xfrm rot="10800000">
+            <a:off x="1036320" y="5567680"/>
+            <a:ext cx="353568" cy="304800"/>
+          </a:xfrm>
+          <a:prstGeom prst="triangle">
+            <a:avLst>
+              <a:gd name="adj" fmla="val 52289"/>
+            </a:avLst>
+          </a:prstGeom>
+        </p:spPr>
+        <p:style>
+          <a:lnRef idx="3">
+            <a:schemeClr val="lt1"/>
+          </a:lnRef>
+          <a:fillRef idx="1">
+            <a:schemeClr val="accent6"/>
+          </a:fillRef>
+          <a:effectRef idx="1">
+            <a:schemeClr val="accent6"/>
+          </a:effectRef>
+          <a:fontRef idx="minor">
+            <a:schemeClr val="lt1"/>
+          </a:fontRef>
+        </p:style>
+        <p:txBody>
+          <a:bodyPr rtlCol="0" anchor="ctr"/>
+          <a:lstStyle/>
+          <a:p>
+            <a:pPr algn="ctr"/>
+            <a:endParaRPr kumimoji="1" lang="zh-TW" altLang="en-US"/>
           </a:p>
         </p:txBody>
       </p:sp>
